--- a/docs/diagrams/LogicComponentCommandClassDiagram.pptx
+++ b/docs/diagrams/LogicComponentCommandClassDiagram.pptx
@@ -126,10 +126,6 @@
 </p:presentation>
 </file>
 
-<file path=ppt/revisionInfo.xml><?xml version="1.0" encoding="utf-8"?>
-<p1510:revInfo xmlns:a="http://schemas.openxmlformats.org/drawingml/2006/main" xmlns:r="http://schemas.openxmlformats.org/officeDocument/2006/relationships" xmlns:p1510="http://schemas.microsoft.com/office/powerpoint/2015/10/main"/>
-</file>
-
 <file path=ppt/notesMasters/notesMaster1.xml><?xml version="1.0" encoding="utf-8"?>
 <p:notesMaster xmlns:a="http://schemas.openxmlformats.org/drawingml/2006/main" xmlns:r="http://schemas.openxmlformats.org/officeDocument/2006/relationships" xmlns:p="http://schemas.openxmlformats.org/presentationml/2006/main">
   <p:cSld>
@@ -212,7 +208,7 @@
           <a:p>
             <a:fld id="{F5CC4B3F-88C1-4FFA-B1B6-F41C21DC6924}" type="datetimeFigureOut">
               <a:rPr lang="en-US" smtClean="0"/>
-              <a:t>7/21/17</a:t>
+              <a:t>3/13/2018</a:t>
             </a:fld>
             <a:endParaRPr lang="en-US"/>
           </a:p>
@@ -658,7 +654,7 @@
           <a:p>
             <a:fld id="{78C97017-6FC3-485B-9764-EAC9E56C1D49}" type="datetimeFigureOut">
               <a:rPr lang="en-US" smtClean="0"/>
-              <a:t>7/21/17</a:t>
+              <a:t>3/13/2018</a:t>
             </a:fld>
             <a:endParaRPr lang="en-US"/>
           </a:p>
@@ -826,7 +822,7 @@
           <a:p>
             <a:fld id="{78C97017-6FC3-485B-9764-EAC9E56C1D49}" type="datetimeFigureOut">
               <a:rPr lang="en-US" smtClean="0"/>
-              <a:t>7/21/17</a:t>
+              <a:t>3/13/2018</a:t>
             </a:fld>
             <a:endParaRPr lang="en-US"/>
           </a:p>
@@ -1004,7 +1000,7 @@
           <a:p>
             <a:fld id="{78C97017-6FC3-485B-9764-EAC9E56C1D49}" type="datetimeFigureOut">
               <a:rPr lang="en-US" smtClean="0"/>
-              <a:t>7/21/17</a:t>
+              <a:t>3/13/2018</a:t>
             </a:fld>
             <a:endParaRPr lang="en-US"/>
           </a:p>
@@ -1172,7 +1168,7 @@
           <a:p>
             <a:fld id="{78C97017-6FC3-485B-9764-EAC9E56C1D49}" type="datetimeFigureOut">
               <a:rPr lang="en-US" smtClean="0"/>
-              <a:t>7/21/17</a:t>
+              <a:t>3/13/2018</a:t>
             </a:fld>
             <a:endParaRPr lang="en-US"/>
           </a:p>
@@ -1417,7 +1413,7 @@
           <a:p>
             <a:fld id="{78C97017-6FC3-485B-9764-EAC9E56C1D49}" type="datetimeFigureOut">
               <a:rPr lang="en-US" smtClean="0"/>
-              <a:t>7/21/17</a:t>
+              <a:t>3/13/2018</a:t>
             </a:fld>
             <a:endParaRPr lang="en-US"/>
           </a:p>
@@ -1702,7 +1698,7 @@
           <a:p>
             <a:fld id="{78C97017-6FC3-485B-9764-EAC9E56C1D49}" type="datetimeFigureOut">
               <a:rPr lang="en-US" smtClean="0"/>
-              <a:t>7/21/17</a:t>
+              <a:t>3/13/2018</a:t>
             </a:fld>
             <a:endParaRPr lang="en-US"/>
           </a:p>
@@ -2121,7 +2117,7 @@
           <a:p>
             <a:fld id="{78C97017-6FC3-485B-9764-EAC9E56C1D49}" type="datetimeFigureOut">
               <a:rPr lang="en-US" smtClean="0"/>
-              <a:t>7/21/17</a:t>
+              <a:t>3/13/2018</a:t>
             </a:fld>
             <a:endParaRPr lang="en-US"/>
           </a:p>
@@ -2238,7 +2234,7 @@
           <a:p>
             <a:fld id="{78C97017-6FC3-485B-9764-EAC9E56C1D49}" type="datetimeFigureOut">
               <a:rPr lang="en-US" smtClean="0"/>
-              <a:t>7/21/17</a:t>
+              <a:t>3/13/2018</a:t>
             </a:fld>
             <a:endParaRPr lang="en-US"/>
           </a:p>
@@ -2333,7 +2329,7 @@
           <a:p>
             <a:fld id="{78C97017-6FC3-485B-9764-EAC9E56C1D49}" type="datetimeFigureOut">
               <a:rPr lang="en-US" smtClean="0"/>
-              <a:t>7/21/17</a:t>
+              <a:t>3/13/2018</a:t>
             </a:fld>
             <a:endParaRPr lang="en-US"/>
           </a:p>
@@ -2608,7 +2604,7 @@
           <a:p>
             <a:fld id="{78C97017-6FC3-485B-9764-EAC9E56C1D49}" type="datetimeFigureOut">
               <a:rPr lang="en-US" smtClean="0"/>
-              <a:t>7/21/17</a:t>
+              <a:t>3/13/2018</a:t>
             </a:fld>
             <a:endParaRPr lang="en-US"/>
           </a:p>
@@ -2860,7 +2856,7 @@
           <a:p>
             <a:fld id="{78C97017-6FC3-485B-9764-EAC9E56C1D49}" type="datetimeFigureOut">
               <a:rPr lang="en-US" smtClean="0"/>
-              <a:t>7/21/17</a:t>
+              <a:t>3/13/2018</a:t>
             </a:fld>
             <a:endParaRPr lang="en-US"/>
           </a:p>
@@ -3071,7 +3067,7 @@
           <a:p>
             <a:fld id="{78C97017-6FC3-485B-9764-EAC9E56C1D49}" type="datetimeFigureOut">
               <a:rPr lang="en-US" smtClean="0"/>
-              <a:t>7/21/17</a:t>
+              <a:t>3/13/2018</a:t>
             </a:fld>
             <a:endParaRPr lang="en-US"/>
           </a:p>
@@ -3718,14 +3714,6 @@
               </a:rPr>
               <a:t>{abstract}</a:t>
             </a:r>
-            <a:r>
-              <a:rPr lang="en-US" sz="1050" b="1">
-                <a:solidFill>
-                  <a:srgbClr val="0070C0"/>
-                </a:solidFill>
-              </a:rPr>
-              <a:t/>
-            </a:r>
             <a:br>
               <a:rPr lang="en-US" sz="1050" b="1">
                 <a:solidFill>
@@ -3734,7 +3722,7 @@
               </a:rPr>
             </a:br>
             <a:r>
-              <a:rPr lang="en-US" sz="1050" b="1" smtClean="0">
+              <a:rPr lang="en-US" sz="1050" b="1">
                 <a:solidFill>
                   <a:srgbClr val="0070C0"/>
                 </a:solidFill>
@@ -3745,7 +3733,7 @@
           <a:p>
             <a:pPr algn="ctr"/>
             <a:r>
-              <a:rPr lang="en-US" sz="1050" b="1" dirty="0" smtClean="0">
+              <a:rPr lang="en-US" sz="1050" b="1" dirty="0">
                 <a:solidFill>
                   <a:srgbClr val="0070C0"/>
                 </a:solidFill>
@@ -3894,7 +3882,7 @@
           <a:p>
             <a:pPr algn="ctr"/>
             <a:r>
-              <a:rPr lang="en-US" sz="1050" b="1" smtClean="0">
+              <a:rPr lang="en-US" sz="1050" b="1">
                 <a:solidFill>
                   <a:srgbClr val="0070C0"/>
                 </a:solidFill>
@@ -3950,7 +3938,7 @@
           <a:p>
             <a:pPr algn="ctr"/>
             <a:r>
-              <a:rPr lang="en-US" sz="1050" b="1" dirty="0" err="1" smtClean="0">
+              <a:rPr lang="en-US" sz="1050" b="1" dirty="0" err="1">
                 <a:solidFill>
                   <a:srgbClr val="0070C0"/>
                 </a:solidFill>
@@ -4006,7 +3994,7 @@
           <a:p>
             <a:pPr algn="ctr"/>
             <a:r>
-              <a:rPr lang="mr-IN" sz="1050" b="1" dirty="0" smtClean="0">
+              <a:rPr lang="mr-IN" sz="1050" b="1" dirty="0">
                 <a:solidFill>
                   <a:srgbClr val="0070C0"/>
                 </a:solidFill>
@@ -4233,12 +4221,12 @@
           <a:p>
             <a:pPr algn="ctr"/>
             <a:r>
-              <a:rPr lang="en-US" sz="1050" b="1" smtClean="0">
+              <a:rPr lang="en-US" sz="1050" b="1" dirty="0" err="1">
                 <a:solidFill>
                   <a:srgbClr val="0070C0"/>
                 </a:solidFill>
               </a:rPr>
-              <a:t>FindCommand</a:t>
+              <a:t>SelectCommand</a:t>
             </a:r>
             <a:endParaRPr lang="en-US" sz="1050" b="1" dirty="0">
               <a:solidFill>
@@ -4289,7 +4277,7 @@
           <a:p>
             <a:pPr algn="ctr"/>
             <a:r>
-              <a:rPr lang="en-US" sz="1050" b="1" dirty="0" err="1" smtClean="0">
+              <a:rPr lang="en-US" sz="1050" b="1" dirty="0" err="1">
                 <a:solidFill>
                   <a:srgbClr val="0070C0"/>
                 </a:solidFill>
@@ -4384,7 +4372,7 @@
           <a:p>
             <a:pPr algn="ctr"/>
             <a:r>
-              <a:rPr lang="mr-IN" sz="1050" b="1" dirty="0" smtClean="0">
+              <a:rPr lang="mr-IN" sz="1050" b="1" dirty="0">
                 <a:solidFill>
                   <a:srgbClr val="0070C0"/>
                 </a:solidFill>
@@ -4533,7 +4521,7 @@
           <a:p>
             <a:pPr algn="ctr"/>
             <a:r>
-              <a:rPr lang="en-US" sz="1050" b="1" dirty="0" err="1" smtClean="0">
+              <a:rPr lang="en-US" sz="1050" b="1" dirty="0" err="1">
                 <a:solidFill>
                   <a:srgbClr val="0070C0"/>
                 </a:solidFill>

--- a/docs/diagrams/LogicComponentCommandClassDiagram.pptx
+++ b/docs/diagrams/LogicComponentCommandClassDiagram.pptx
@@ -126,10 +126,6 @@
 </p:presentation>
 </file>
 
-<file path=ppt/revisionInfo.xml><?xml version="1.0" encoding="utf-8"?>
-<p1510:revInfo xmlns:a="http://schemas.openxmlformats.org/drawingml/2006/main" xmlns:r="http://schemas.openxmlformats.org/officeDocument/2006/relationships" xmlns:p1510="http://schemas.microsoft.com/office/powerpoint/2015/10/main"/>
-</file>
-
 <file path=ppt/notesMasters/notesMaster1.xml><?xml version="1.0" encoding="utf-8"?>
 <p:notesMaster xmlns:a="http://schemas.openxmlformats.org/drawingml/2006/main" xmlns:r="http://schemas.openxmlformats.org/officeDocument/2006/relationships" xmlns:p="http://schemas.openxmlformats.org/presentationml/2006/main">
   <p:cSld>
@@ -212,7 +208,7 @@
           <a:p>
             <a:fld id="{F5CC4B3F-88C1-4FFA-B1B6-F41C21DC6924}" type="datetimeFigureOut">
               <a:rPr lang="en-US" smtClean="0"/>
-              <a:t>7/21/17</a:t>
+              <a:t>3/25/2018</a:t>
             </a:fld>
             <a:endParaRPr lang="en-US"/>
           </a:p>
@@ -658,7 +654,7 @@
           <a:p>
             <a:fld id="{78C97017-6FC3-485B-9764-EAC9E56C1D49}" type="datetimeFigureOut">
               <a:rPr lang="en-US" smtClean="0"/>
-              <a:t>7/21/17</a:t>
+              <a:t>3/25/2018</a:t>
             </a:fld>
             <a:endParaRPr lang="en-US"/>
           </a:p>
@@ -826,7 +822,7 @@
           <a:p>
             <a:fld id="{78C97017-6FC3-485B-9764-EAC9E56C1D49}" type="datetimeFigureOut">
               <a:rPr lang="en-US" smtClean="0"/>
-              <a:t>7/21/17</a:t>
+              <a:t>3/25/2018</a:t>
             </a:fld>
             <a:endParaRPr lang="en-US"/>
           </a:p>
@@ -1004,7 +1000,7 @@
           <a:p>
             <a:fld id="{78C97017-6FC3-485B-9764-EAC9E56C1D49}" type="datetimeFigureOut">
               <a:rPr lang="en-US" smtClean="0"/>
-              <a:t>7/21/17</a:t>
+              <a:t>3/25/2018</a:t>
             </a:fld>
             <a:endParaRPr lang="en-US"/>
           </a:p>
@@ -1172,7 +1168,7 @@
           <a:p>
             <a:fld id="{78C97017-6FC3-485B-9764-EAC9E56C1D49}" type="datetimeFigureOut">
               <a:rPr lang="en-US" smtClean="0"/>
-              <a:t>7/21/17</a:t>
+              <a:t>3/25/2018</a:t>
             </a:fld>
             <a:endParaRPr lang="en-US"/>
           </a:p>
@@ -1417,7 +1413,7 @@
           <a:p>
             <a:fld id="{78C97017-6FC3-485B-9764-EAC9E56C1D49}" type="datetimeFigureOut">
               <a:rPr lang="en-US" smtClean="0"/>
-              <a:t>7/21/17</a:t>
+              <a:t>3/25/2018</a:t>
             </a:fld>
             <a:endParaRPr lang="en-US"/>
           </a:p>
@@ -1702,7 +1698,7 @@
           <a:p>
             <a:fld id="{78C97017-6FC3-485B-9764-EAC9E56C1D49}" type="datetimeFigureOut">
               <a:rPr lang="en-US" smtClean="0"/>
-              <a:t>7/21/17</a:t>
+              <a:t>3/25/2018</a:t>
             </a:fld>
             <a:endParaRPr lang="en-US"/>
           </a:p>
@@ -2121,7 +2117,7 @@
           <a:p>
             <a:fld id="{78C97017-6FC3-485B-9764-EAC9E56C1D49}" type="datetimeFigureOut">
               <a:rPr lang="en-US" smtClean="0"/>
-              <a:t>7/21/17</a:t>
+              <a:t>3/25/2018</a:t>
             </a:fld>
             <a:endParaRPr lang="en-US"/>
           </a:p>
@@ -2238,7 +2234,7 @@
           <a:p>
             <a:fld id="{78C97017-6FC3-485B-9764-EAC9E56C1D49}" type="datetimeFigureOut">
               <a:rPr lang="en-US" smtClean="0"/>
-              <a:t>7/21/17</a:t>
+              <a:t>3/25/2018</a:t>
             </a:fld>
             <a:endParaRPr lang="en-US"/>
           </a:p>
@@ -2333,7 +2329,7 @@
           <a:p>
             <a:fld id="{78C97017-6FC3-485B-9764-EAC9E56C1D49}" type="datetimeFigureOut">
               <a:rPr lang="en-US" smtClean="0"/>
-              <a:t>7/21/17</a:t>
+              <a:t>3/25/2018</a:t>
             </a:fld>
             <a:endParaRPr lang="en-US"/>
           </a:p>
@@ -2608,7 +2604,7 @@
           <a:p>
             <a:fld id="{78C97017-6FC3-485B-9764-EAC9E56C1D49}" type="datetimeFigureOut">
               <a:rPr lang="en-US" smtClean="0"/>
-              <a:t>7/21/17</a:t>
+              <a:t>3/25/2018</a:t>
             </a:fld>
             <a:endParaRPr lang="en-US"/>
           </a:p>
@@ -2860,7 +2856,7 @@
           <a:p>
             <a:fld id="{78C97017-6FC3-485B-9764-EAC9E56C1D49}" type="datetimeFigureOut">
               <a:rPr lang="en-US" smtClean="0"/>
-              <a:t>7/21/17</a:t>
+              <a:t>3/25/2018</a:t>
             </a:fld>
             <a:endParaRPr lang="en-US"/>
           </a:p>
@@ -3071,7 +3067,7 @@
           <a:p>
             <a:fld id="{78C97017-6FC3-485B-9764-EAC9E56C1D49}" type="datetimeFigureOut">
               <a:rPr lang="en-US" smtClean="0"/>
-              <a:t>7/21/17</a:t>
+              <a:t>3/25/2018</a:t>
             </a:fld>
             <a:endParaRPr lang="en-US"/>
           </a:p>
@@ -3718,14 +3714,6 @@
               </a:rPr>
               <a:t>{abstract}</a:t>
             </a:r>
-            <a:r>
-              <a:rPr lang="en-US" sz="1050" b="1">
-                <a:solidFill>
-                  <a:srgbClr val="0070C0"/>
-                </a:solidFill>
-              </a:rPr>
-              <a:t/>
-            </a:r>
             <a:br>
               <a:rPr lang="en-US" sz="1050" b="1">
                 <a:solidFill>
@@ -3734,7 +3722,7 @@
               </a:rPr>
             </a:br>
             <a:r>
-              <a:rPr lang="en-US" sz="1050" b="1" smtClean="0">
+              <a:rPr lang="en-US" sz="1050" b="1">
                 <a:solidFill>
                   <a:srgbClr val="0070C0"/>
                 </a:solidFill>
@@ -3745,7 +3733,7 @@
           <a:p>
             <a:pPr algn="ctr"/>
             <a:r>
-              <a:rPr lang="en-US" sz="1050" b="1" dirty="0" smtClean="0">
+              <a:rPr lang="en-US" sz="1050" b="1" dirty="0">
                 <a:solidFill>
                   <a:srgbClr val="0070C0"/>
                 </a:solidFill>
@@ -3894,12 +3882,12 @@
           <a:p>
             <a:pPr algn="ctr"/>
             <a:r>
-              <a:rPr lang="en-US" sz="1050" b="1" smtClean="0">
+              <a:rPr lang="en-US" sz="1050" b="1" dirty="0" err="1">
                 <a:solidFill>
                   <a:srgbClr val="0070C0"/>
                 </a:solidFill>
               </a:rPr>
-              <a:t>AddCommand</a:t>
+              <a:t>TaskCommand</a:t>
             </a:r>
             <a:endParaRPr lang="en-US" sz="1050" b="1" dirty="0">
               <a:solidFill>
@@ -3950,12 +3938,12 @@
           <a:p>
             <a:pPr algn="ctr"/>
             <a:r>
-              <a:rPr lang="en-US" sz="1050" b="1" dirty="0" err="1" smtClean="0">
+              <a:rPr lang="en-US" sz="1050" b="1" dirty="0" err="1">
                 <a:solidFill>
                   <a:srgbClr val="0070C0"/>
                 </a:solidFill>
               </a:rPr>
-              <a:t>ClearCommand</a:t>
+              <a:t>EventCommand</a:t>
             </a:r>
             <a:endParaRPr lang="en-US" sz="1050" b="1" dirty="0">
               <a:solidFill>
@@ -4006,7 +3994,7 @@
           <a:p>
             <a:pPr algn="ctr"/>
             <a:r>
-              <a:rPr lang="mr-IN" sz="1050" b="1" dirty="0" smtClean="0">
+              <a:rPr lang="mr-IN" sz="1050" b="1" dirty="0">
                 <a:solidFill>
                   <a:srgbClr val="0070C0"/>
                 </a:solidFill>
@@ -4233,12 +4221,12 @@
           <a:p>
             <a:pPr algn="ctr"/>
             <a:r>
-              <a:rPr lang="en-US" sz="1050" b="1" smtClean="0">
+              <a:rPr lang="en-US" sz="1050" b="1" dirty="0" err="1">
                 <a:solidFill>
                   <a:srgbClr val="0070C0"/>
                 </a:solidFill>
               </a:rPr>
-              <a:t>FindCommand</a:t>
+              <a:t>HelpCommand</a:t>
             </a:r>
             <a:endParaRPr lang="en-US" sz="1050" b="1" dirty="0">
               <a:solidFill>
@@ -4289,7 +4277,7 @@
           <a:p>
             <a:pPr algn="ctr"/>
             <a:r>
-              <a:rPr lang="en-US" sz="1050" b="1" dirty="0" err="1" smtClean="0">
+              <a:rPr lang="en-US" sz="1050" b="1" dirty="0" err="1">
                 <a:solidFill>
                   <a:srgbClr val="0070C0"/>
                 </a:solidFill>
@@ -4384,7 +4372,7 @@
           <a:p>
             <a:pPr algn="ctr"/>
             <a:r>
-              <a:rPr lang="mr-IN" sz="1050" b="1" dirty="0" smtClean="0">
+              <a:rPr lang="mr-IN" sz="1050" b="1" dirty="0">
                 <a:solidFill>
                   <a:srgbClr val="0070C0"/>
                 </a:solidFill>
@@ -4533,7 +4521,7 @@
           <a:p>
             <a:pPr algn="ctr"/>
             <a:r>
-              <a:rPr lang="en-US" sz="1050" b="1" dirty="0" err="1" smtClean="0">
+              <a:rPr lang="en-US" sz="1050" b="1" dirty="0" err="1">
                 <a:solidFill>
                   <a:srgbClr val="0070C0"/>
                 </a:solidFill>

--- a/docs/diagrams/LogicComponentCommandClassDiagram.pptx
+++ b/docs/diagrams/LogicComponentCommandClassDiagram.pptx
@@ -126,10 +126,6 @@
 </p:presentation>
 </file>
 
-<file path=ppt/revisionInfo.xml><?xml version="1.0" encoding="utf-8"?>
-<p1510:revInfo xmlns:a="http://schemas.openxmlformats.org/drawingml/2006/main" xmlns:r="http://schemas.openxmlformats.org/officeDocument/2006/relationships" xmlns:p1510="http://schemas.microsoft.com/office/powerpoint/2015/10/main"/>
-</file>
-
 <file path=ppt/notesMasters/notesMaster1.xml><?xml version="1.0" encoding="utf-8"?>
 <p:notesMaster xmlns:a="http://schemas.openxmlformats.org/drawingml/2006/main" xmlns:r="http://schemas.openxmlformats.org/officeDocument/2006/relationships" xmlns:p="http://schemas.openxmlformats.org/presentationml/2006/main">
   <p:cSld>
@@ -212,7 +208,7 @@
           <a:p>
             <a:fld id="{F5CC4B3F-88C1-4FFA-B1B6-F41C21DC6924}" type="datetimeFigureOut">
               <a:rPr lang="en-US" smtClean="0"/>
-              <a:t>7/21/17</a:t>
+              <a:t>4/14/2018</a:t>
             </a:fld>
             <a:endParaRPr lang="en-US"/>
           </a:p>
@@ -658,7 +654,7 @@
           <a:p>
             <a:fld id="{78C97017-6FC3-485B-9764-EAC9E56C1D49}" type="datetimeFigureOut">
               <a:rPr lang="en-US" smtClean="0"/>
-              <a:t>7/21/17</a:t>
+              <a:t>4/14/2018</a:t>
             </a:fld>
             <a:endParaRPr lang="en-US"/>
           </a:p>
@@ -826,7 +822,7 @@
           <a:p>
             <a:fld id="{78C97017-6FC3-485B-9764-EAC9E56C1D49}" type="datetimeFigureOut">
               <a:rPr lang="en-US" smtClean="0"/>
-              <a:t>7/21/17</a:t>
+              <a:t>4/14/2018</a:t>
             </a:fld>
             <a:endParaRPr lang="en-US"/>
           </a:p>
@@ -1004,7 +1000,7 @@
           <a:p>
             <a:fld id="{78C97017-6FC3-485B-9764-EAC9E56C1D49}" type="datetimeFigureOut">
               <a:rPr lang="en-US" smtClean="0"/>
-              <a:t>7/21/17</a:t>
+              <a:t>4/14/2018</a:t>
             </a:fld>
             <a:endParaRPr lang="en-US"/>
           </a:p>
@@ -1172,7 +1168,7 @@
           <a:p>
             <a:fld id="{78C97017-6FC3-485B-9764-EAC9E56C1D49}" type="datetimeFigureOut">
               <a:rPr lang="en-US" smtClean="0"/>
-              <a:t>7/21/17</a:t>
+              <a:t>4/14/2018</a:t>
             </a:fld>
             <a:endParaRPr lang="en-US"/>
           </a:p>
@@ -1417,7 +1413,7 @@
           <a:p>
             <a:fld id="{78C97017-6FC3-485B-9764-EAC9E56C1D49}" type="datetimeFigureOut">
               <a:rPr lang="en-US" smtClean="0"/>
-              <a:t>7/21/17</a:t>
+              <a:t>4/14/2018</a:t>
             </a:fld>
             <a:endParaRPr lang="en-US"/>
           </a:p>
@@ -1702,7 +1698,7 @@
           <a:p>
             <a:fld id="{78C97017-6FC3-485B-9764-EAC9E56C1D49}" type="datetimeFigureOut">
               <a:rPr lang="en-US" smtClean="0"/>
-              <a:t>7/21/17</a:t>
+              <a:t>4/14/2018</a:t>
             </a:fld>
             <a:endParaRPr lang="en-US"/>
           </a:p>
@@ -2121,7 +2117,7 @@
           <a:p>
             <a:fld id="{78C97017-6FC3-485B-9764-EAC9E56C1D49}" type="datetimeFigureOut">
               <a:rPr lang="en-US" smtClean="0"/>
-              <a:t>7/21/17</a:t>
+              <a:t>4/14/2018</a:t>
             </a:fld>
             <a:endParaRPr lang="en-US"/>
           </a:p>
@@ -2238,7 +2234,7 @@
           <a:p>
             <a:fld id="{78C97017-6FC3-485B-9764-EAC9E56C1D49}" type="datetimeFigureOut">
               <a:rPr lang="en-US" smtClean="0"/>
-              <a:t>7/21/17</a:t>
+              <a:t>4/14/2018</a:t>
             </a:fld>
             <a:endParaRPr lang="en-US"/>
           </a:p>
@@ -2333,7 +2329,7 @@
           <a:p>
             <a:fld id="{78C97017-6FC3-485B-9764-EAC9E56C1D49}" type="datetimeFigureOut">
               <a:rPr lang="en-US" smtClean="0"/>
-              <a:t>7/21/17</a:t>
+              <a:t>4/14/2018</a:t>
             </a:fld>
             <a:endParaRPr lang="en-US"/>
           </a:p>
@@ -2608,7 +2604,7 @@
           <a:p>
             <a:fld id="{78C97017-6FC3-485B-9764-EAC9E56C1D49}" type="datetimeFigureOut">
               <a:rPr lang="en-US" smtClean="0"/>
-              <a:t>7/21/17</a:t>
+              <a:t>4/14/2018</a:t>
             </a:fld>
             <a:endParaRPr lang="en-US"/>
           </a:p>
@@ -2860,7 +2856,7 @@
           <a:p>
             <a:fld id="{78C97017-6FC3-485B-9764-EAC9E56C1D49}" type="datetimeFigureOut">
               <a:rPr lang="en-US" smtClean="0"/>
-              <a:t>7/21/17</a:t>
+              <a:t>4/14/2018</a:t>
             </a:fld>
             <a:endParaRPr lang="en-US"/>
           </a:p>
@@ -3071,7 +3067,7 @@
           <a:p>
             <a:fld id="{78C97017-6FC3-485B-9764-EAC9E56C1D49}" type="datetimeFigureOut">
               <a:rPr lang="en-US" smtClean="0"/>
-              <a:t>7/21/17</a:t>
+              <a:t>4/14/2018</a:t>
             </a:fld>
             <a:endParaRPr lang="en-US"/>
           </a:p>
@@ -3508,7 +3504,7 @@
         <p:spPr>
           <a:xfrm>
             <a:off x="3124200" y="1600200"/>
-            <a:ext cx="5486400" cy="2819400"/>
+            <a:ext cx="5486400" cy="3200400"/>
           </a:xfrm>
           <a:prstGeom prst="roundRect">
             <a:avLst>
@@ -3635,6 +3631,7 @@
         <p:nvCxnSpPr>
           <p:cNvPr id="96" name="Elbow Connector 95"/>
           <p:cNvCxnSpPr>
+            <a:cxnSpLocks/>
             <a:stCxn id="12" idx="1"/>
             <a:endCxn id="144" idx="1"/>
           </p:cNvCxnSpPr>
@@ -3718,14 +3715,6 @@
               </a:rPr>
               <a:t>{abstract}</a:t>
             </a:r>
-            <a:r>
-              <a:rPr lang="en-US" sz="1050" b="1">
-                <a:solidFill>
-                  <a:srgbClr val="0070C0"/>
-                </a:solidFill>
-              </a:rPr>
-              <a:t/>
-            </a:r>
             <a:br>
               <a:rPr lang="en-US" sz="1050" b="1">
                 <a:solidFill>
@@ -3734,7 +3723,7 @@
               </a:rPr>
             </a:br>
             <a:r>
-              <a:rPr lang="en-US" sz="1050" b="1" smtClean="0">
+              <a:rPr lang="en-US" sz="1050" b="1">
                 <a:solidFill>
                   <a:srgbClr val="0070C0"/>
                 </a:solidFill>
@@ -3745,7 +3734,7 @@
           <a:p>
             <a:pPr algn="ctr"/>
             <a:r>
-              <a:rPr lang="en-US" sz="1050" b="1" dirty="0" smtClean="0">
+              <a:rPr lang="en-US" sz="1050" b="1" dirty="0">
                 <a:solidFill>
                   <a:srgbClr val="0070C0"/>
                 </a:solidFill>
@@ -3894,7 +3883,7 @@
           <a:p>
             <a:pPr algn="ctr"/>
             <a:r>
-              <a:rPr lang="en-US" sz="1050" b="1" smtClean="0">
+              <a:rPr lang="en-US" sz="1050" b="1">
                 <a:solidFill>
                   <a:srgbClr val="0070C0"/>
                 </a:solidFill>
@@ -3950,7 +3939,7 @@
           <a:p>
             <a:pPr algn="ctr"/>
             <a:r>
-              <a:rPr lang="en-US" sz="1050" b="1" dirty="0" err="1" smtClean="0">
+              <a:rPr lang="en-US" sz="1050" b="1" dirty="0" err="1">
                 <a:solidFill>
                   <a:srgbClr val="0070C0"/>
                 </a:solidFill>
@@ -4006,7 +3995,7 @@
           <a:p>
             <a:pPr algn="ctr"/>
             <a:r>
-              <a:rPr lang="mr-IN" sz="1050" b="1" dirty="0" smtClean="0">
+              <a:rPr lang="mr-IN" sz="1050" b="1" dirty="0">
                 <a:solidFill>
                   <a:srgbClr val="0070C0"/>
                 </a:solidFill>
@@ -4233,7 +4222,7 @@
           <a:p>
             <a:pPr algn="ctr"/>
             <a:r>
-              <a:rPr lang="en-US" sz="1050" b="1" smtClean="0">
+              <a:rPr lang="en-US" sz="1050" b="1">
                 <a:solidFill>
                   <a:srgbClr val="0070C0"/>
                 </a:solidFill>
@@ -4289,7 +4278,7 @@
           <a:p>
             <a:pPr algn="ctr"/>
             <a:r>
-              <a:rPr lang="en-US" sz="1050" b="1" dirty="0" err="1" smtClean="0">
+              <a:rPr lang="en-US" sz="1050" b="1" dirty="0" err="1">
                 <a:solidFill>
                   <a:srgbClr val="0070C0"/>
                 </a:solidFill>
@@ -4351,7 +4340,7 @@
         </p:nvSpPr>
         <p:spPr>
           <a:xfrm flipH="1">
-            <a:off x="3328030" y="3396703"/>
+            <a:off x="3320606" y="4230631"/>
             <a:ext cx="1175194" cy="359669"/>
           </a:xfrm>
           <a:prstGeom prst="rect">
@@ -4384,7 +4373,7 @@
           <a:p>
             <a:pPr algn="ctr"/>
             <a:r>
-              <a:rPr lang="mr-IN" sz="1050" b="1" dirty="0" smtClean="0">
+              <a:rPr lang="mr-IN" sz="1050" b="1" dirty="0">
                 <a:solidFill>
                   <a:srgbClr val="0070C0"/>
                 </a:solidFill>
@@ -4410,8 +4399,8 @@
         </p:nvCxnSpPr>
         <p:spPr>
           <a:xfrm rot="10800000" flipV="1">
-            <a:off x="4503225" y="1999724"/>
-            <a:ext cx="906977" cy="1576813"/>
+            <a:off x="4495801" y="1999724"/>
+            <a:ext cx="914401" cy="2410741"/>
           </a:xfrm>
           <a:prstGeom prst="bentConnector3">
             <a:avLst>
@@ -4533,7 +4522,7 @@
           <a:p>
             <a:pPr algn="ctr"/>
             <a:r>
-              <a:rPr lang="en-US" sz="1050" b="1" dirty="0" err="1" smtClean="0">
+              <a:rPr lang="en-US" sz="1050" b="1" dirty="0" err="1">
                 <a:solidFill>
                   <a:srgbClr val="0070C0"/>
                 </a:solidFill>
@@ -4715,15 +4704,15 @@
         <p:nvCxnSpPr>
           <p:cNvPr id="30" name="Elbow Connector 25"/>
           <p:cNvCxnSpPr>
-            <a:stCxn id="2" idx="1"/>
+            <a:cxnSpLocks/>
             <a:endCxn id="25" idx="3"/>
           </p:cNvCxnSpPr>
           <p:nvPr/>
         </p:nvCxnSpPr>
         <p:spPr>
-          <a:xfrm flipH="1" flipV="1">
-            <a:off x="2143762" y="3000131"/>
-            <a:ext cx="980438" cy="9769"/>
+          <a:xfrm flipH="1">
+            <a:off x="2143762" y="2997128"/>
+            <a:ext cx="979895" cy="3003"/>
           </a:xfrm>
           <a:prstGeom prst="straightConnector1">
             <a:avLst/>
@@ -4733,6 +4722,236 @@
               <a:schemeClr val="tx1"/>
             </a:solidFill>
             <a:headEnd type="triangle" w="med" len="med"/>
+            <a:tailEnd type="none" w="med" len="med"/>
+          </a:ln>
+        </p:spPr>
+        <p:style>
+          <a:lnRef idx="1">
+            <a:schemeClr val="accent1"/>
+          </a:lnRef>
+          <a:fillRef idx="0">
+            <a:schemeClr val="accent1"/>
+          </a:fillRef>
+          <a:effectRef idx="0">
+            <a:schemeClr val="accent1"/>
+          </a:effectRef>
+          <a:fontRef idx="minor">
+            <a:schemeClr val="tx1"/>
+          </a:fontRef>
+        </p:style>
+      </p:cxnSp>
+      <p:sp>
+        <p:nvSpPr>
+          <p:cNvPr id="29" name="Rectangle 11">
+            <a:extLst>
+              <a:ext uri="{FF2B5EF4-FFF2-40B4-BE49-F238E27FC236}">
+                <a16:creationId xmlns:a16="http://schemas.microsoft.com/office/drawing/2014/main" id="{C2735E66-EB12-4D5D-A86F-077230564F71}"/>
+              </a:ext>
+            </a:extLst>
+          </p:cNvPr>
+          <p:cNvSpPr/>
+          <p:nvPr/>
+        </p:nvSpPr>
+        <p:spPr>
+          <a:xfrm flipH="1">
+            <a:off x="3320607" y="3374131"/>
+            <a:ext cx="1175193" cy="359669"/>
+          </a:xfrm>
+          <a:prstGeom prst="rect">
+            <a:avLst/>
+          </a:prstGeom>
+          <a:ln w="19050">
+            <a:solidFill>
+              <a:srgbClr val="0070C0"/>
+            </a:solidFill>
+          </a:ln>
+          <a:effectLst/>
+        </p:spPr>
+        <p:style>
+          <a:lnRef idx="1">
+            <a:schemeClr val="accent1"/>
+          </a:lnRef>
+          <a:fillRef idx="2">
+            <a:schemeClr val="accent1"/>
+          </a:fillRef>
+          <a:effectRef idx="1">
+            <a:schemeClr val="accent1"/>
+          </a:effectRef>
+          <a:fontRef idx="minor">
+            <a:schemeClr val="dk1"/>
+          </a:fontRef>
+        </p:style>
+        <p:txBody>
+          <a:bodyPr rtlCol="0" anchor="ctr"/>
+          <a:lstStyle/>
+          <a:p>
+            <a:pPr algn="ctr"/>
+            <a:r>
+              <a:rPr lang="en-US" sz="1050" b="1" dirty="0" err="1">
+                <a:solidFill>
+                  <a:srgbClr val="0070C0"/>
+                </a:solidFill>
+              </a:rPr>
+              <a:t>ChangeTheme</a:t>
+            </a:r>
+            <a:endParaRPr lang="en-US" sz="1050" b="1" dirty="0">
+              <a:solidFill>
+                <a:srgbClr val="0070C0"/>
+              </a:solidFill>
+            </a:endParaRPr>
+          </a:p>
+          <a:p>
+            <a:pPr algn="ctr"/>
+            <a:r>
+              <a:rPr lang="en-US" sz="1050" b="1" dirty="0">
+                <a:solidFill>
+                  <a:srgbClr val="0070C0"/>
+                </a:solidFill>
+              </a:rPr>
+              <a:t>Command</a:t>
+            </a:r>
+          </a:p>
+        </p:txBody>
+      </p:sp>
+      <p:cxnSp>
+        <p:nvCxnSpPr>
+          <p:cNvPr id="34" name="Elbow Connector 149">
+            <a:extLst>
+              <a:ext uri="{FF2B5EF4-FFF2-40B4-BE49-F238E27FC236}">
+                <a16:creationId xmlns:a16="http://schemas.microsoft.com/office/drawing/2014/main" id="{343FA555-FFD0-4914-9173-582425EE91C0}"/>
+              </a:ext>
+            </a:extLst>
+          </p:cNvPr>
+          <p:cNvCxnSpPr>
+            <a:cxnSpLocks/>
+          </p:cNvCxnSpPr>
+          <p:nvPr/>
+        </p:nvCxnSpPr>
+        <p:spPr>
+          <a:xfrm flipH="1">
+            <a:off x="4507942" y="3581400"/>
+            <a:ext cx="448471" cy="0"/>
+          </a:xfrm>
+          <a:prstGeom prst="straightConnector1">
+            <a:avLst/>
+          </a:prstGeom>
+          <a:ln w="19050">
+            <a:headEnd type="none" w="med" len="med"/>
+            <a:tailEnd type="none" w="med" len="med"/>
+          </a:ln>
+        </p:spPr>
+        <p:style>
+          <a:lnRef idx="1">
+            <a:schemeClr val="accent1"/>
+          </a:lnRef>
+          <a:fillRef idx="0">
+            <a:schemeClr val="accent1"/>
+          </a:fillRef>
+          <a:effectRef idx="0">
+            <a:schemeClr val="accent1"/>
+          </a:effectRef>
+          <a:fontRef idx="minor">
+            <a:schemeClr val="tx1"/>
+          </a:fontRef>
+        </p:style>
+      </p:cxnSp>
+      <p:sp>
+        <p:nvSpPr>
+          <p:cNvPr id="57" name="Rectangle 11">
+            <a:extLst>
+              <a:ext uri="{FF2B5EF4-FFF2-40B4-BE49-F238E27FC236}">
+                <a16:creationId xmlns:a16="http://schemas.microsoft.com/office/drawing/2014/main" id="{72A0E07C-4153-46C7-AB24-3D84E86B98A6}"/>
+              </a:ext>
+            </a:extLst>
+          </p:cNvPr>
+          <p:cNvSpPr/>
+          <p:nvPr/>
+        </p:nvSpPr>
+        <p:spPr>
+          <a:xfrm flipH="1">
+            <a:off x="3329336" y="3786133"/>
+            <a:ext cx="1175193" cy="359669"/>
+          </a:xfrm>
+          <a:prstGeom prst="rect">
+            <a:avLst/>
+          </a:prstGeom>
+          <a:ln w="19050">
+            <a:solidFill>
+              <a:srgbClr val="0070C0"/>
+            </a:solidFill>
+          </a:ln>
+          <a:effectLst/>
+        </p:spPr>
+        <p:style>
+          <a:lnRef idx="1">
+            <a:schemeClr val="accent1"/>
+          </a:lnRef>
+          <a:fillRef idx="2">
+            <a:schemeClr val="accent1"/>
+          </a:fillRef>
+          <a:effectRef idx="1">
+            <a:schemeClr val="accent1"/>
+          </a:effectRef>
+          <a:fontRef idx="minor">
+            <a:schemeClr val="dk1"/>
+          </a:fontRef>
+        </p:style>
+        <p:txBody>
+          <a:bodyPr rtlCol="0" anchor="ctr"/>
+          <a:lstStyle/>
+          <a:p>
+            <a:pPr algn="ctr"/>
+            <a:r>
+              <a:rPr lang="en-US" sz="1050" b="1" dirty="0" err="1">
+                <a:solidFill>
+                  <a:srgbClr val="0070C0"/>
+                </a:solidFill>
+              </a:rPr>
+              <a:t>ListAppointment</a:t>
+            </a:r>
+            <a:endParaRPr lang="en-US" sz="1050" b="1" dirty="0">
+              <a:solidFill>
+                <a:srgbClr val="0070C0"/>
+              </a:solidFill>
+            </a:endParaRPr>
+          </a:p>
+          <a:p>
+            <a:pPr algn="ctr"/>
+            <a:r>
+              <a:rPr lang="en-US" sz="1050" b="1" dirty="0">
+                <a:solidFill>
+                  <a:srgbClr val="0070C0"/>
+                </a:solidFill>
+              </a:rPr>
+              <a:t>Command</a:t>
+            </a:r>
+          </a:p>
+        </p:txBody>
+      </p:sp>
+      <p:cxnSp>
+        <p:nvCxnSpPr>
+          <p:cNvPr id="58" name="Elbow Connector 149">
+            <a:extLst>
+              <a:ext uri="{FF2B5EF4-FFF2-40B4-BE49-F238E27FC236}">
+                <a16:creationId xmlns:a16="http://schemas.microsoft.com/office/drawing/2014/main" id="{CB93B764-8304-429E-A298-083946EA1F73}"/>
+              </a:ext>
+            </a:extLst>
+          </p:cNvPr>
+          <p:cNvCxnSpPr>
+            <a:cxnSpLocks/>
+          </p:cNvCxnSpPr>
+          <p:nvPr/>
+        </p:nvCxnSpPr>
+        <p:spPr>
+          <a:xfrm flipH="1">
+            <a:off x="4516671" y="3993402"/>
+            <a:ext cx="448471" cy="0"/>
+          </a:xfrm>
+          <a:prstGeom prst="straightConnector1">
+            <a:avLst/>
+          </a:prstGeom>
+          <a:ln w="19050">
+            <a:headEnd type="none" w="med" len="med"/>
             <a:tailEnd type="none" w="med" len="med"/>
           </a:ln>
         </p:spPr>

--- a/docs/diagrams/LogicComponentCommandClassDiagram.pptx
+++ b/docs/diagrams/LogicComponentCommandClassDiagram.pptx
@@ -8,7 +8,7 @@
     <p:notesMasterId r:id="rId3"/>
   </p:notesMasterIdLst>
   <p:sldIdLst>
-    <p:sldId id="262" r:id="rId2"/>
+    <p:sldId id="260" r:id="rId2"/>
   </p:sldIdLst>
   <p:sldSz cx="9144000" cy="6858000" type="screen4x3"/>
   <p:notesSz cx="6858000" cy="9144000"/>
@@ -126,10 +126,6 @@
 </p:presentation>
 </file>
 
-<file path=ppt/revisionInfo.xml><?xml version="1.0" encoding="utf-8"?>
-<p1510:revInfo xmlns:a="http://schemas.openxmlformats.org/drawingml/2006/main" xmlns:r="http://schemas.openxmlformats.org/officeDocument/2006/relationships" xmlns:p1510="http://schemas.microsoft.com/office/powerpoint/2015/10/main"/>
-</file>
-
 <file path=ppt/notesMasters/notesMaster1.xml><?xml version="1.0" encoding="utf-8"?>
 <p:notesMaster xmlns:a="http://schemas.openxmlformats.org/drawingml/2006/main" xmlns:r="http://schemas.openxmlformats.org/officeDocument/2006/relationships" xmlns:p="http://schemas.openxmlformats.org/presentationml/2006/main">
   <p:cSld>
@@ -212,7 +208,7 @@
           <a:p>
             <a:fld id="{F5CC4B3F-88C1-4FFA-B1B6-F41C21DC6924}" type="datetimeFigureOut">
               <a:rPr lang="en-US" smtClean="0"/>
-              <a:t>7/21/17</a:t>
+              <a:t>4/15/2018</a:t>
             </a:fld>
             <a:endParaRPr lang="en-US"/>
           </a:p>
@@ -658,7 +654,7 @@
           <a:p>
             <a:fld id="{78C97017-6FC3-485B-9764-EAC9E56C1D49}" type="datetimeFigureOut">
               <a:rPr lang="en-US" smtClean="0"/>
-              <a:t>7/21/17</a:t>
+              <a:t>4/15/2018</a:t>
             </a:fld>
             <a:endParaRPr lang="en-US"/>
           </a:p>
@@ -826,7 +822,7 @@
           <a:p>
             <a:fld id="{78C97017-6FC3-485B-9764-EAC9E56C1D49}" type="datetimeFigureOut">
               <a:rPr lang="en-US" smtClean="0"/>
-              <a:t>7/21/17</a:t>
+              <a:t>4/15/2018</a:t>
             </a:fld>
             <a:endParaRPr lang="en-US"/>
           </a:p>
@@ -1004,7 +1000,7 @@
           <a:p>
             <a:fld id="{78C97017-6FC3-485B-9764-EAC9E56C1D49}" type="datetimeFigureOut">
               <a:rPr lang="en-US" smtClean="0"/>
-              <a:t>7/21/17</a:t>
+              <a:t>4/15/2018</a:t>
             </a:fld>
             <a:endParaRPr lang="en-US"/>
           </a:p>
@@ -1172,7 +1168,7 @@
           <a:p>
             <a:fld id="{78C97017-6FC3-485B-9764-EAC9E56C1D49}" type="datetimeFigureOut">
               <a:rPr lang="en-US" smtClean="0"/>
-              <a:t>7/21/17</a:t>
+              <a:t>4/15/2018</a:t>
             </a:fld>
             <a:endParaRPr lang="en-US"/>
           </a:p>
@@ -1417,7 +1413,7 @@
           <a:p>
             <a:fld id="{78C97017-6FC3-485B-9764-EAC9E56C1D49}" type="datetimeFigureOut">
               <a:rPr lang="en-US" smtClean="0"/>
-              <a:t>7/21/17</a:t>
+              <a:t>4/15/2018</a:t>
             </a:fld>
             <a:endParaRPr lang="en-US"/>
           </a:p>
@@ -1702,7 +1698,7 @@
           <a:p>
             <a:fld id="{78C97017-6FC3-485B-9764-EAC9E56C1D49}" type="datetimeFigureOut">
               <a:rPr lang="en-US" smtClean="0"/>
-              <a:t>7/21/17</a:t>
+              <a:t>4/15/2018</a:t>
             </a:fld>
             <a:endParaRPr lang="en-US"/>
           </a:p>
@@ -2121,7 +2117,7 @@
           <a:p>
             <a:fld id="{78C97017-6FC3-485B-9764-EAC9E56C1D49}" type="datetimeFigureOut">
               <a:rPr lang="en-US" smtClean="0"/>
-              <a:t>7/21/17</a:t>
+              <a:t>4/15/2018</a:t>
             </a:fld>
             <a:endParaRPr lang="en-US"/>
           </a:p>
@@ -2238,7 +2234,7 @@
           <a:p>
             <a:fld id="{78C97017-6FC3-485B-9764-EAC9E56C1D49}" type="datetimeFigureOut">
               <a:rPr lang="en-US" smtClean="0"/>
-              <a:t>7/21/17</a:t>
+              <a:t>4/15/2018</a:t>
             </a:fld>
             <a:endParaRPr lang="en-US"/>
           </a:p>
@@ -2333,7 +2329,7 @@
           <a:p>
             <a:fld id="{78C97017-6FC3-485B-9764-EAC9E56C1D49}" type="datetimeFigureOut">
               <a:rPr lang="en-US" smtClean="0"/>
-              <a:t>7/21/17</a:t>
+              <a:t>4/15/2018</a:t>
             </a:fld>
             <a:endParaRPr lang="en-US"/>
           </a:p>
@@ -2608,7 +2604,7 @@
           <a:p>
             <a:fld id="{78C97017-6FC3-485B-9764-EAC9E56C1D49}" type="datetimeFigureOut">
               <a:rPr lang="en-US" smtClean="0"/>
-              <a:t>7/21/17</a:t>
+              <a:t>4/15/2018</a:t>
             </a:fld>
             <a:endParaRPr lang="en-US"/>
           </a:p>
@@ -2860,7 +2856,7 @@
           <a:p>
             <a:fld id="{78C97017-6FC3-485B-9764-EAC9E56C1D49}" type="datetimeFigureOut">
               <a:rPr lang="en-US" smtClean="0"/>
-              <a:t>7/21/17</a:t>
+              <a:t>4/15/2018</a:t>
             </a:fld>
             <a:endParaRPr lang="en-US"/>
           </a:p>
@@ -3071,7 +3067,7 @@
           <a:p>
             <a:fld id="{78C97017-6FC3-485B-9764-EAC9E56C1D49}" type="datetimeFigureOut">
               <a:rPr lang="en-US" smtClean="0"/>
-              <a:t>7/21/17</a:t>
+              <a:t>4/15/2018</a:t>
             </a:fld>
             <a:endParaRPr lang="en-US"/>
           </a:p>
@@ -3454,8 +3450,8 @@
         </p:nvSpPr>
         <p:spPr>
           <a:xfrm>
-            <a:off x="831983" y="1961662"/>
-            <a:ext cx="1311779" cy="2076938"/>
+            <a:off x="1723096" y="2346593"/>
+            <a:ext cx="983834" cy="1557704"/>
           </a:xfrm>
           <a:prstGeom prst="roundRect">
             <a:avLst>
@@ -3491,7 +3487,7 @@
           <a:bodyPr rtlCol="0" anchor="t"/>
           <a:lstStyle/>
           <a:p>
-            <a:endParaRPr lang="en-SG" sz="1200" b="1" dirty="0">
+            <a:endParaRPr lang="en-SG" sz="900" b="1" dirty="0">
               <a:solidFill>
                 <a:srgbClr val="0070C0"/>
               </a:solidFill>
@@ -3507,8 +3503,8 @@
         </p:nvSpPr>
         <p:spPr>
           <a:xfrm>
-            <a:off x="3124200" y="1600200"/>
-            <a:ext cx="5486400" cy="2819400"/>
+            <a:off x="3141301" y="2037397"/>
+            <a:ext cx="4865867" cy="2176097"/>
           </a:xfrm>
           <a:prstGeom prst="roundRect">
             <a:avLst>
@@ -3545,14 +3541,14 @@
           <a:lstStyle/>
           <a:p>
             <a:r>
-              <a:rPr lang="en-US" sz="1200" b="1" dirty="0">
+              <a:rPr lang="en-US" sz="900" b="1" dirty="0">
                 <a:solidFill>
                   <a:srgbClr val="0070C0"/>
                 </a:solidFill>
               </a:rPr>
               <a:t>Logic</a:t>
             </a:r>
-            <a:endParaRPr lang="en-SG" sz="1200" b="1" dirty="0">
+            <a:endParaRPr lang="en-SG" sz="900" b="1" dirty="0">
               <a:solidFill>
                 <a:srgbClr val="0070C0"/>
               </a:solidFill>
@@ -3568,8 +3564,8 @@
         </p:nvSpPr>
         <p:spPr>
           <a:xfrm>
-            <a:off x="5410201" y="1826345"/>
-            <a:ext cx="772043" cy="346760"/>
+            <a:off x="5200652" y="2227009"/>
+            <a:ext cx="579032" cy="260070"/>
           </a:xfrm>
           <a:prstGeom prst="rect">
             <a:avLst/>
@@ -3601,7 +3597,7 @@
           <a:p>
             <a:pPr algn="ctr"/>
             <a:r>
-              <a:rPr lang="en-US" sz="1050" b="1" dirty="0">
+              <a:rPr lang="en-US" sz="788" b="1" dirty="0">
                 <a:solidFill>
                   <a:srgbClr val="0070C0"/>
                 </a:solidFill>
@@ -3609,21 +3605,21 @@
               <a:t>{abstract}</a:t>
             </a:r>
             <a:br>
-              <a:rPr lang="en-US" sz="1050" b="1" dirty="0">
+              <a:rPr lang="en-US" sz="788" b="1" dirty="0">
                 <a:solidFill>
                   <a:srgbClr val="0070C0"/>
                 </a:solidFill>
               </a:rPr>
             </a:br>
             <a:r>
-              <a:rPr lang="en-US" sz="1050" b="1" dirty="0">
+              <a:rPr lang="en-US" sz="788" b="1" dirty="0">
                 <a:solidFill>
                   <a:srgbClr val="0070C0"/>
                 </a:solidFill>
               </a:rPr>
               <a:t>Command</a:t>
             </a:r>
-            <a:endParaRPr lang="en-SG" sz="1050" b="1" dirty="0">
+            <a:endParaRPr lang="en-SG" sz="788" b="1" dirty="0">
               <a:solidFill>
                 <a:srgbClr val="0070C0"/>
               </a:solidFill>
@@ -3635,6 +3631,7 @@
         <p:nvCxnSpPr>
           <p:cNvPr id="96" name="Elbow Connector 95"/>
           <p:cNvCxnSpPr>
+            <a:cxnSpLocks/>
             <a:stCxn id="12" idx="1"/>
             <a:endCxn id="144" idx="1"/>
           </p:cNvCxnSpPr>
@@ -3642,8 +3639,8 @@
         </p:nvCxnSpPr>
         <p:spPr>
           <a:xfrm rot="10800000" flipV="1">
-            <a:off x="4504529" y="1999724"/>
-            <a:ext cx="905672" cy="668879"/>
+            <a:off x="4521398" y="2357044"/>
+            <a:ext cx="679255" cy="501660"/>
           </a:xfrm>
           <a:prstGeom prst="bentConnector3">
             <a:avLst>
@@ -3678,8 +3675,8 @@
         </p:nvSpPr>
         <p:spPr>
           <a:xfrm>
-            <a:off x="5410200" y="2514600"/>
-            <a:ext cx="772043" cy="509659"/>
+            <a:off x="5200651" y="2743201"/>
+            <a:ext cx="579032" cy="382244"/>
           </a:xfrm>
           <a:prstGeom prst="rect">
             <a:avLst/>
@@ -3711,30 +3708,22 @@
           <a:p>
             <a:pPr algn="ctr"/>
             <a:r>
-              <a:rPr lang="en-US" sz="1050" b="1" dirty="0">
+              <a:rPr lang="en-US" sz="788" b="1" dirty="0">
                 <a:solidFill>
                   <a:srgbClr val="0070C0"/>
                 </a:solidFill>
               </a:rPr>
               <a:t>{abstract}</a:t>
             </a:r>
-            <a:r>
-              <a:rPr lang="en-US" sz="1050" b="1">
-                <a:solidFill>
-                  <a:srgbClr val="0070C0"/>
-                </a:solidFill>
-              </a:rPr>
-              <a:t/>
-            </a:r>
             <a:br>
-              <a:rPr lang="en-US" sz="1050" b="1">
+              <a:rPr lang="en-US" sz="788" b="1">
                 <a:solidFill>
                   <a:srgbClr val="0070C0"/>
                 </a:solidFill>
               </a:rPr>
             </a:br>
             <a:r>
-              <a:rPr lang="en-US" sz="1050" b="1" smtClean="0">
+              <a:rPr lang="en-US" sz="788" b="1">
                 <a:solidFill>
                   <a:srgbClr val="0070C0"/>
                 </a:solidFill>
@@ -3745,14 +3734,14 @@
           <a:p>
             <a:pPr algn="ctr"/>
             <a:r>
-              <a:rPr lang="en-US" sz="1050" b="1" dirty="0" smtClean="0">
+              <a:rPr lang="en-US" sz="788" b="1" dirty="0">
                 <a:solidFill>
                   <a:srgbClr val="0070C0"/>
                 </a:solidFill>
               </a:rPr>
               <a:t>Command</a:t>
             </a:r>
-            <a:endParaRPr lang="en-SG" sz="1050" b="1" dirty="0">
+            <a:endParaRPr lang="en-SG" sz="788" b="1" dirty="0">
               <a:solidFill>
                 <a:srgbClr val="0070C0"/>
               </a:solidFill>
@@ -3771,8 +3760,8 @@
         </p:nvCxnSpPr>
         <p:spPr>
           <a:xfrm rot="5400000">
-            <a:off x="5625476" y="2343852"/>
-            <a:ext cx="341495" cy="1"/>
+            <a:off x="5362108" y="2615140"/>
+            <a:ext cx="256121" cy="1"/>
           </a:xfrm>
           <a:prstGeom prst="bentConnector3">
             <a:avLst>
@@ -3807,8 +3796,8 @@
         </p:nvSpPr>
         <p:spPr>
           <a:xfrm rot="10800000" flipV="1">
-            <a:off x="5660969" y="2173104"/>
-            <a:ext cx="270504" cy="175523"/>
+            <a:off x="5388727" y="2487079"/>
+            <a:ext cx="202878" cy="131642"/>
           </a:xfrm>
           <a:prstGeom prst="triangle">
             <a:avLst/>
@@ -3845,7 +3834,7 @@
           <a:lstStyle/>
           <a:p>
             <a:pPr algn="ctr"/>
-            <a:endParaRPr lang="en-SG" sz="1050" b="1">
+            <a:endParaRPr lang="en-SG" sz="788" b="1">
               <a:solidFill>
                 <a:srgbClr val="92D050"/>
               </a:solidFill>
@@ -3861,8 +3850,8 @@
         </p:nvSpPr>
         <p:spPr>
           <a:xfrm flipH="1">
-            <a:off x="7239001" y="2997128"/>
-            <a:ext cx="1175193" cy="359669"/>
+            <a:off x="6663173" y="2251090"/>
+            <a:ext cx="1094343" cy="269752"/>
           </a:xfrm>
           <a:prstGeom prst="rect">
             <a:avLst/>
@@ -3894,14 +3883,14 @@
           <a:p>
             <a:pPr algn="ctr"/>
             <a:r>
-              <a:rPr lang="en-US" sz="1050" b="1" smtClean="0">
+              <a:rPr lang="en-US" sz="788" b="1" dirty="0" err="1">
                 <a:solidFill>
                   <a:srgbClr val="0070C0"/>
                 </a:solidFill>
               </a:rPr>
               <a:t>AddCommand</a:t>
             </a:r>
-            <a:endParaRPr lang="en-US" sz="1050" b="1" dirty="0">
+            <a:endParaRPr lang="en-US" sz="788" b="1" dirty="0">
               <a:solidFill>
                 <a:srgbClr val="0070C0"/>
               </a:solidFill>
@@ -3917,8 +3906,8 @@
         </p:nvSpPr>
         <p:spPr>
           <a:xfrm flipH="1">
-            <a:off x="7239000" y="3431436"/>
-            <a:ext cx="1175194" cy="359669"/>
+            <a:off x="6663172" y="2623492"/>
+            <a:ext cx="1094345" cy="269752"/>
           </a:xfrm>
           <a:prstGeom prst="rect">
             <a:avLst/>
@@ -3950,14 +3939,14 @@
           <a:p>
             <a:pPr algn="ctr"/>
             <a:r>
-              <a:rPr lang="en-US" sz="1050" b="1" dirty="0" err="1" smtClean="0">
+              <a:rPr lang="en-US" sz="788" b="1" dirty="0" err="1">
                 <a:solidFill>
                   <a:srgbClr val="0070C0"/>
                 </a:solidFill>
               </a:rPr>
               <a:t>ClearCommand</a:t>
             </a:r>
-            <a:endParaRPr lang="en-US" sz="1050" b="1" dirty="0">
+            <a:endParaRPr lang="en-US" sz="788" b="1" dirty="0">
               <a:solidFill>
                 <a:srgbClr val="0070C0"/>
               </a:solidFill>
@@ -3973,8 +3962,8 @@
         </p:nvSpPr>
         <p:spPr>
           <a:xfrm flipH="1">
-            <a:off x="7239000" y="3906103"/>
-            <a:ext cx="1175194" cy="359669"/>
+            <a:off x="6663172" y="3674530"/>
+            <a:ext cx="1094344" cy="269752"/>
           </a:xfrm>
           <a:prstGeom prst="rect">
             <a:avLst/>
@@ -4006,14 +3995,14 @@
           <a:p>
             <a:pPr algn="ctr"/>
             <a:r>
-              <a:rPr lang="mr-IN" sz="1050" b="1" dirty="0" smtClean="0">
+              <a:rPr lang="mr-IN" sz="788" b="1" dirty="0">
                 <a:solidFill>
                   <a:srgbClr val="0070C0"/>
                 </a:solidFill>
               </a:rPr>
               <a:t>…</a:t>
             </a:r>
-            <a:endParaRPr lang="en-US" sz="1050" b="1" dirty="0">
+            <a:endParaRPr lang="en-US" sz="788" b="1" dirty="0">
               <a:solidFill>
                 <a:srgbClr val="0070C0"/>
               </a:solidFill>
@@ -4025,6 +4014,7 @@
         <p:nvCxnSpPr>
           <p:cNvPr id="129" name="Elbow Connector 128"/>
           <p:cNvCxnSpPr>
+            <a:cxnSpLocks/>
             <a:stCxn id="76" idx="3"/>
             <a:endCxn id="128" idx="3"/>
           </p:cNvCxnSpPr>
@@ -4032,8 +4022,8 @@
         </p:nvCxnSpPr>
         <p:spPr>
           <a:xfrm>
-            <a:off x="6182243" y="2769430"/>
-            <a:ext cx="1056757" cy="1316508"/>
+            <a:off x="5779683" y="2934324"/>
+            <a:ext cx="883489" cy="875083"/>
           </a:xfrm>
           <a:prstGeom prst="bentConnector3">
             <a:avLst>
@@ -4064,15 +4054,16 @@
         <p:nvCxnSpPr>
           <p:cNvPr id="131" name="Elbow Connector 130"/>
           <p:cNvCxnSpPr>
+            <a:cxnSpLocks/>
             <a:stCxn id="76" idx="3"/>
             <a:endCxn id="113" idx="3"/>
           </p:cNvCxnSpPr>
           <p:nvPr/>
         </p:nvCxnSpPr>
         <p:spPr>
-          <a:xfrm>
-            <a:off x="6182243" y="2769430"/>
-            <a:ext cx="1056757" cy="841841"/>
+          <a:xfrm flipV="1">
+            <a:off x="5779683" y="2758369"/>
+            <a:ext cx="883488" cy="175955"/>
           </a:xfrm>
           <a:prstGeom prst="bentConnector3">
             <a:avLst>
@@ -4103,15 +4094,16 @@
         <p:nvCxnSpPr>
           <p:cNvPr id="134" name="Elbow Connector 133"/>
           <p:cNvCxnSpPr>
+            <a:cxnSpLocks/>
             <a:stCxn id="76" idx="3"/>
             <a:endCxn id="107" idx="3"/>
           </p:cNvCxnSpPr>
           <p:nvPr/>
         </p:nvCxnSpPr>
         <p:spPr>
-          <a:xfrm>
-            <a:off x="6182243" y="2769430"/>
-            <a:ext cx="1056758" cy="407533"/>
+          <a:xfrm flipV="1">
+            <a:off x="5779684" y="2385967"/>
+            <a:ext cx="883490" cy="548357"/>
           </a:xfrm>
           <a:prstGeom prst="bentConnector3">
             <a:avLst>
@@ -4146,8 +4138,8 @@
         </p:nvSpPr>
         <p:spPr>
           <a:xfrm rot="5400000" flipV="1">
-            <a:off x="6134752" y="2691099"/>
-            <a:ext cx="270504" cy="175523"/>
+            <a:off x="5744064" y="2875576"/>
+            <a:ext cx="202878" cy="131642"/>
           </a:xfrm>
           <a:prstGeom prst="triangle">
             <a:avLst/>
@@ -4184,7 +4176,7 @@
           <a:lstStyle/>
           <a:p>
             <a:pPr algn="ctr"/>
-            <a:endParaRPr lang="en-SG" sz="1050" b="1">
+            <a:endParaRPr lang="en-SG" sz="788" b="1">
               <a:solidFill>
                 <a:srgbClr val="92D050"/>
               </a:solidFill>
@@ -4200,8 +4192,8 @@
         </p:nvSpPr>
         <p:spPr>
           <a:xfrm flipH="1">
-            <a:off x="3329336" y="2488769"/>
-            <a:ext cx="1175193" cy="359669"/>
+            <a:off x="3388143" y="2723828"/>
+            <a:ext cx="1133254" cy="269752"/>
           </a:xfrm>
           <a:prstGeom prst="rect">
             <a:avLst/>
@@ -4233,14 +4225,14 @@
           <a:p>
             <a:pPr algn="ctr"/>
             <a:r>
-              <a:rPr lang="en-US" sz="1050" b="1" smtClean="0">
+              <a:rPr lang="en-US" sz="788" b="1" dirty="0" err="1">
                 <a:solidFill>
                   <a:srgbClr val="0070C0"/>
                 </a:solidFill>
               </a:rPr>
               <a:t>FindCommand</a:t>
             </a:r>
-            <a:endParaRPr lang="en-US" sz="1050" b="1" dirty="0">
+            <a:endParaRPr lang="en-US" sz="788" b="1" dirty="0">
               <a:solidFill>
                 <a:srgbClr val="0070C0"/>
               </a:solidFill>
@@ -4256,8 +4248,8 @@
         </p:nvSpPr>
         <p:spPr>
           <a:xfrm flipH="1">
-            <a:off x="3329336" y="2944348"/>
-            <a:ext cx="1175193" cy="359669"/>
+            <a:off x="3388143" y="3065512"/>
+            <a:ext cx="1133255" cy="269752"/>
           </a:xfrm>
           <a:prstGeom prst="rect">
             <a:avLst/>
@@ -4289,14 +4281,14 @@
           <a:p>
             <a:pPr algn="ctr"/>
             <a:r>
-              <a:rPr lang="en-US" sz="1050" b="1" dirty="0" err="1" smtClean="0">
+              <a:rPr lang="en-US" sz="788" b="1" dirty="0" err="1">
                 <a:solidFill>
                   <a:srgbClr val="0070C0"/>
                 </a:solidFill>
               </a:rPr>
               <a:t>UndoCommand</a:t>
             </a:r>
-            <a:endParaRPr lang="en-US" sz="1050" b="1" dirty="0">
+            <a:endParaRPr lang="en-US" sz="788" b="1" dirty="0">
               <a:solidFill>
                 <a:srgbClr val="0070C0"/>
               </a:solidFill>
@@ -4308,6 +4300,7 @@
         <p:nvCxnSpPr>
           <p:cNvPr id="150" name="Elbow Connector 149"/>
           <p:cNvCxnSpPr>
+            <a:cxnSpLocks/>
             <a:stCxn id="12" idx="1"/>
             <a:endCxn id="145" idx="1"/>
           </p:cNvCxnSpPr>
@@ -4315,8 +4308,8 @@
         </p:nvCxnSpPr>
         <p:spPr>
           <a:xfrm rot="10800000" flipV="1">
-            <a:off x="4504529" y="1999725"/>
-            <a:ext cx="905672" cy="1124458"/>
+            <a:off x="4521398" y="2357044"/>
+            <a:ext cx="679254" cy="843344"/>
           </a:xfrm>
           <a:prstGeom prst="bentConnector3">
             <a:avLst>
@@ -4351,8 +4344,8 @@
         </p:nvSpPr>
         <p:spPr>
           <a:xfrm flipH="1">
-            <a:off x="3328030" y="3396703"/>
-            <a:ext cx="1175194" cy="359669"/>
+            <a:off x="3387163" y="3404778"/>
+            <a:ext cx="1133255" cy="269752"/>
           </a:xfrm>
           <a:prstGeom prst="rect">
             <a:avLst/>
@@ -4384,14 +4377,14 @@
           <a:p>
             <a:pPr algn="ctr"/>
             <a:r>
-              <a:rPr lang="mr-IN" sz="1050" b="1" dirty="0" smtClean="0">
+              <a:rPr lang="en-SG" sz="788" b="1" dirty="0">
                 <a:solidFill>
                   <a:srgbClr val="0070C0"/>
                 </a:solidFill>
               </a:rPr>
               <a:t>…</a:t>
             </a:r>
-            <a:endParaRPr lang="en-US" sz="1050" b="1" dirty="0">
+            <a:endParaRPr lang="en-US" sz="788" b="1" dirty="0">
               <a:solidFill>
                 <a:srgbClr val="0070C0"/>
               </a:solidFill>
@@ -4403,6 +4396,7 @@
         <p:nvCxnSpPr>
           <p:cNvPr id="168" name="Elbow Connector 167"/>
           <p:cNvCxnSpPr>
+            <a:cxnSpLocks/>
             <a:stCxn id="12" idx="1"/>
             <a:endCxn id="167" idx="1"/>
           </p:cNvCxnSpPr>
@@ -4410,8 +4404,8 @@
         </p:nvCxnSpPr>
         <p:spPr>
           <a:xfrm rot="10800000" flipV="1">
-            <a:off x="4503225" y="1999724"/>
-            <a:ext cx="906977" cy="1576813"/>
+            <a:off x="4520418" y="2357044"/>
+            <a:ext cx="680234" cy="1182611"/>
           </a:xfrm>
           <a:prstGeom prst="bentConnector3">
             <a:avLst>
@@ -4446,8 +4440,8 @@
         </p:nvSpPr>
         <p:spPr>
           <a:xfrm rot="16200000" flipV="1">
-            <a:off x="5187187" y="1911963"/>
-            <a:ext cx="270504" cy="175523"/>
+            <a:off x="5033390" y="2291224"/>
+            <a:ext cx="202878" cy="131642"/>
           </a:xfrm>
           <a:prstGeom prst="triangle">
             <a:avLst/>
@@ -4484,7 +4478,7 @@
           <a:lstStyle/>
           <a:p>
             <a:pPr algn="ctr"/>
-            <a:endParaRPr lang="en-SG" sz="1050" b="1">
+            <a:endParaRPr lang="en-SG" sz="788" b="1">
               <a:solidFill>
                 <a:srgbClr val="92D050"/>
               </a:solidFill>
@@ -4500,8 +4494,8 @@
         </p:nvSpPr>
         <p:spPr>
           <a:xfrm flipH="1">
-            <a:off x="1003252" y="2120502"/>
-            <a:ext cx="970326" cy="346760"/>
+            <a:off x="1895439" y="2447627"/>
+            <a:ext cx="727745" cy="260070"/>
           </a:xfrm>
           <a:prstGeom prst="rect">
             <a:avLst/>
@@ -4533,14 +4527,14 @@
           <a:p>
             <a:pPr algn="ctr"/>
             <a:r>
-              <a:rPr lang="en-US" sz="1050" b="1" dirty="0" err="1" smtClean="0">
+              <a:rPr lang="en-US" sz="788" b="1" dirty="0" err="1">
                 <a:solidFill>
                   <a:srgbClr val="0070C0"/>
                 </a:solidFill>
               </a:rPr>
               <a:t>XYZCommand</a:t>
             </a:r>
-            <a:endParaRPr lang="en-SG" sz="1050" b="1" dirty="0">
+            <a:endParaRPr lang="en-SG" sz="788" b="1" dirty="0">
               <a:solidFill>
                 <a:srgbClr val="0070C0"/>
               </a:solidFill>
@@ -4556,8 +4550,8 @@
         </p:nvSpPr>
         <p:spPr>
           <a:xfrm>
-            <a:off x="1101850" y="3529390"/>
-            <a:ext cx="772043" cy="346760"/>
+            <a:off x="1969389" y="3504293"/>
+            <a:ext cx="579032" cy="260070"/>
           </a:xfrm>
           <a:prstGeom prst="rect">
             <a:avLst/>
@@ -4589,7 +4583,7 @@
           <a:p>
             <a:pPr algn="ctr"/>
             <a:r>
-              <a:rPr lang="en-US" sz="1050" b="1" dirty="0">
+              <a:rPr lang="en-US" sz="788" b="1" dirty="0">
                 <a:solidFill>
                   <a:srgbClr val="0070C0"/>
                 </a:solidFill>
@@ -4597,21 +4591,21 @@
               <a:t>{abstract}</a:t>
             </a:r>
             <a:br>
-              <a:rPr lang="en-US" sz="1050" b="1" dirty="0">
+              <a:rPr lang="en-US" sz="788" b="1" dirty="0">
                 <a:solidFill>
                   <a:srgbClr val="0070C0"/>
                 </a:solidFill>
               </a:rPr>
             </a:br>
             <a:r>
-              <a:rPr lang="en-US" sz="1050" b="1" dirty="0">
+              <a:rPr lang="en-US" sz="788" b="1" dirty="0">
                 <a:solidFill>
                   <a:srgbClr val="0070C0"/>
                 </a:solidFill>
               </a:rPr>
               <a:t>Command</a:t>
             </a:r>
-            <a:endParaRPr lang="en-SG" sz="1050" b="1" dirty="0">
+            <a:endParaRPr lang="en-SG" sz="788" b="1" dirty="0">
               <a:solidFill>
                 <a:srgbClr val="0070C0"/>
               </a:solidFill>
@@ -4627,8 +4621,8 @@
         </p:nvSpPr>
         <p:spPr>
           <a:xfrm flipV="1">
-            <a:off x="1352621" y="3360825"/>
-            <a:ext cx="270504" cy="175523"/>
+            <a:off x="2157466" y="3377870"/>
+            <a:ext cx="202878" cy="131642"/>
           </a:xfrm>
           <a:prstGeom prst="triangle">
             <a:avLst/>
@@ -4665,7 +4659,7 @@
           <a:lstStyle/>
           <a:p>
             <a:pPr algn="ctr"/>
-            <a:endParaRPr lang="en-SG" sz="1050" b="1">
+            <a:endParaRPr lang="en-SG" sz="788" b="1">
               <a:solidFill>
                 <a:srgbClr val="92D050"/>
               </a:solidFill>
@@ -4683,8 +4677,8 @@
         </p:nvCxnSpPr>
         <p:spPr>
           <a:xfrm rot="5400000" flipH="1" flipV="1">
-            <a:off x="1041363" y="2913773"/>
-            <a:ext cx="893563" cy="542"/>
+            <a:off x="1924024" y="3042580"/>
+            <a:ext cx="670172" cy="407"/>
           </a:xfrm>
           <a:prstGeom prst="bentConnector3">
             <a:avLst>
@@ -4715,15 +4709,16 @@
         <p:nvCxnSpPr>
           <p:cNvPr id="30" name="Elbow Connector 25"/>
           <p:cNvCxnSpPr>
+            <a:cxnSpLocks/>
             <a:stCxn id="2" idx="1"/>
             <a:endCxn id="25" idx="3"/>
           </p:cNvCxnSpPr>
           <p:nvPr/>
         </p:nvCxnSpPr>
         <p:spPr>
-          <a:xfrm flipH="1" flipV="1">
-            <a:off x="2143762" y="3000131"/>
-            <a:ext cx="980438" cy="9769"/>
+          <a:xfrm flipH="1">
+            <a:off x="2706930" y="3125445"/>
+            <a:ext cx="434370" cy="0"/>
           </a:xfrm>
           <a:prstGeom prst="straightConnector1">
             <a:avLst/>
@@ -4751,10 +4746,223 @@
           </a:fontRef>
         </p:style>
       </p:cxnSp>
+      <p:sp>
+        <p:nvSpPr>
+          <p:cNvPr id="27" name="Rectangle 11">
+            <a:extLst>
+              <a:ext uri="{FF2B5EF4-FFF2-40B4-BE49-F238E27FC236}">
+                <a16:creationId xmlns:a16="http://schemas.microsoft.com/office/drawing/2014/main" id="{24DCC34C-C9CD-41C2-9028-0FE932EE7C93}"/>
+              </a:ext>
+            </a:extLst>
+          </p:cNvPr>
+          <p:cNvSpPr/>
+          <p:nvPr/>
+        </p:nvSpPr>
+        <p:spPr>
+          <a:xfrm flipH="1">
+            <a:off x="6648466" y="2963451"/>
+            <a:ext cx="1133255" cy="269752"/>
+          </a:xfrm>
+          <a:prstGeom prst="rect">
+            <a:avLst/>
+          </a:prstGeom>
+          <a:ln w="19050">
+            <a:solidFill>
+              <a:srgbClr val="0070C0"/>
+            </a:solidFill>
+          </a:ln>
+          <a:effectLst/>
+        </p:spPr>
+        <p:style>
+          <a:lnRef idx="1">
+            <a:schemeClr val="accent1"/>
+          </a:lnRef>
+          <a:fillRef idx="2">
+            <a:schemeClr val="accent1"/>
+          </a:fillRef>
+          <a:effectRef idx="1">
+            <a:schemeClr val="accent1"/>
+          </a:effectRef>
+          <a:fontRef idx="minor">
+            <a:schemeClr val="dk1"/>
+          </a:fontRef>
+        </p:style>
+        <p:txBody>
+          <a:bodyPr rtlCol="0" anchor="ctr"/>
+          <a:lstStyle/>
+          <a:p>
+            <a:pPr algn="ctr"/>
+            <a:r>
+              <a:rPr lang="en-SG" sz="788" b="1" dirty="0" err="1">
+                <a:solidFill>
+                  <a:srgbClr val="0070C0"/>
+                </a:solidFill>
+              </a:rPr>
+              <a:t>BorrowCommand</a:t>
+            </a:r>
+            <a:endParaRPr lang="en-US" sz="788" b="1" dirty="0">
+              <a:solidFill>
+                <a:srgbClr val="0070C0"/>
+              </a:solidFill>
+            </a:endParaRPr>
+          </a:p>
+        </p:txBody>
+      </p:sp>
+      <p:sp>
+        <p:nvSpPr>
+          <p:cNvPr id="40" name="Rectangle 11">
+            <a:extLst>
+              <a:ext uri="{FF2B5EF4-FFF2-40B4-BE49-F238E27FC236}">
+                <a16:creationId xmlns:a16="http://schemas.microsoft.com/office/drawing/2014/main" id="{EA83E290-5CA9-4E59-8954-1B2D7735D672}"/>
+              </a:ext>
+            </a:extLst>
+          </p:cNvPr>
+          <p:cNvSpPr/>
+          <p:nvPr/>
+        </p:nvSpPr>
+        <p:spPr>
+          <a:xfrm flipH="1">
+            <a:off x="6643717" y="3324168"/>
+            <a:ext cx="1133253" cy="269752"/>
+          </a:xfrm>
+          <a:prstGeom prst="rect">
+            <a:avLst/>
+          </a:prstGeom>
+          <a:ln w="19050">
+            <a:solidFill>
+              <a:srgbClr val="0070C0"/>
+            </a:solidFill>
+          </a:ln>
+          <a:effectLst/>
+        </p:spPr>
+        <p:style>
+          <a:lnRef idx="1">
+            <a:schemeClr val="accent1"/>
+          </a:lnRef>
+          <a:fillRef idx="2">
+            <a:schemeClr val="accent1"/>
+          </a:fillRef>
+          <a:effectRef idx="1">
+            <a:schemeClr val="accent1"/>
+          </a:effectRef>
+          <a:fontRef idx="minor">
+            <a:schemeClr val="dk1"/>
+          </a:fontRef>
+        </p:style>
+        <p:txBody>
+          <a:bodyPr rtlCol="0" anchor="ctr"/>
+          <a:lstStyle/>
+          <a:p>
+            <a:pPr algn="ctr"/>
+            <a:r>
+              <a:rPr lang="en-SG" sz="788" b="1" dirty="0" err="1">
+                <a:solidFill>
+                  <a:srgbClr val="0070C0"/>
+                </a:solidFill>
+              </a:rPr>
+              <a:t>AddAccountCommand</a:t>
+            </a:r>
+            <a:endParaRPr lang="en-US" sz="788" b="1" dirty="0">
+              <a:solidFill>
+                <a:srgbClr val="0070C0"/>
+              </a:solidFill>
+            </a:endParaRPr>
+          </a:p>
+        </p:txBody>
+      </p:sp>
+      <p:cxnSp>
+        <p:nvCxnSpPr>
+          <p:cNvPr id="66" name="Elbow Connector 130">
+            <a:extLst>
+              <a:ext uri="{FF2B5EF4-FFF2-40B4-BE49-F238E27FC236}">
+                <a16:creationId xmlns:a16="http://schemas.microsoft.com/office/drawing/2014/main" id="{8A80F78E-4A64-427B-8AB6-2D2D53D05BC6}"/>
+              </a:ext>
+            </a:extLst>
+          </p:cNvPr>
+          <p:cNvCxnSpPr>
+            <a:cxnSpLocks/>
+            <a:endCxn id="27" idx="3"/>
+          </p:cNvCxnSpPr>
+          <p:nvPr/>
+        </p:nvCxnSpPr>
+        <p:spPr>
+          <a:xfrm>
+            <a:off x="6170161" y="2934324"/>
+            <a:ext cx="478306" cy="164003"/>
+          </a:xfrm>
+          <a:prstGeom prst="bentConnector3">
+            <a:avLst>
+              <a:gd name="adj1" fmla="val 50000"/>
+            </a:avLst>
+          </a:prstGeom>
+          <a:ln w="19050">
+            <a:headEnd type="none" w="med" len="med"/>
+            <a:tailEnd type="none" w="med" len="med"/>
+          </a:ln>
+        </p:spPr>
+        <p:style>
+          <a:lnRef idx="1">
+            <a:schemeClr val="accent1"/>
+          </a:lnRef>
+          <a:fillRef idx="0">
+            <a:schemeClr val="accent1"/>
+          </a:fillRef>
+          <a:effectRef idx="0">
+            <a:schemeClr val="accent1"/>
+          </a:effectRef>
+          <a:fontRef idx="minor">
+            <a:schemeClr val="tx1"/>
+          </a:fontRef>
+        </p:style>
+      </p:cxnSp>
+      <p:cxnSp>
+        <p:nvCxnSpPr>
+          <p:cNvPr id="69" name="Elbow Connector 130">
+            <a:extLst>
+              <a:ext uri="{FF2B5EF4-FFF2-40B4-BE49-F238E27FC236}">
+                <a16:creationId xmlns:a16="http://schemas.microsoft.com/office/drawing/2014/main" id="{1129169A-2B6C-45B0-B46D-77AB34924BF7}"/>
+              </a:ext>
+            </a:extLst>
+          </p:cNvPr>
+          <p:cNvCxnSpPr>
+            <a:cxnSpLocks/>
+          </p:cNvCxnSpPr>
+          <p:nvPr/>
+        </p:nvCxnSpPr>
+        <p:spPr>
+          <a:xfrm>
+            <a:off x="6221427" y="3289863"/>
+            <a:ext cx="430566" cy="172075"/>
+          </a:xfrm>
+          <a:prstGeom prst="bentConnector3">
+            <a:avLst>
+              <a:gd name="adj1" fmla="val 50000"/>
+            </a:avLst>
+          </a:prstGeom>
+          <a:ln w="19050">
+            <a:headEnd type="none" w="med" len="med"/>
+            <a:tailEnd type="none" w="med" len="med"/>
+          </a:ln>
+        </p:spPr>
+        <p:style>
+          <a:lnRef idx="1">
+            <a:schemeClr val="accent1"/>
+          </a:lnRef>
+          <a:fillRef idx="0">
+            <a:schemeClr val="accent1"/>
+          </a:fillRef>
+          <a:effectRef idx="0">
+            <a:schemeClr val="accent1"/>
+          </a:effectRef>
+          <a:fontRef idx="minor">
+            <a:schemeClr val="tx1"/>
+          </a:fontRef>
+        </p:style>
+      </p:cxnSp>
     </p:spTree>
     <p:extLst>
       <p:ext uri="{BB962C8B-B14F-4D97-AF65-F5344CB8AC3E}">
-        <p14:creationId xmlns:p14="http://schemas.microsoft.com/office/powerpoint/2010/main" val="211586602"/>
+        <p14:creationId xmlns:p14="http://schemas.microsoft.com/office/powerpoint/2010/main" val="2967341420"/>
       </p:ext>
     </p:extLst>
   </p:cSld>
